--- a/src/main/resources/Documentation/UserDocs/app/User Type and Account Role Functions.pptx
+++ b/src/main/resources/Documentation/UserDocs/app/User Type and Account Role Functions.pptx
@@ -223,7 +223,7 @@
           <a:p>
             <a:fld id="{9D756F37-617F-4B1C-BED3-CE7228747FF6}" type="datetimeFigureOut">
               <a:rPr lang="en-US" smtClean="0"/>
-              <a:t>8/2/2018</a:t>
+              <a:t>3/4/2019</a:t>
             </a:fld>
             <a:endParaRPr lang="en-US" dirty="0"/>
           </a:p>
@@ -3475,14 +3475,14 @@
           <p:nvPr>
             <p:extLst>
               <p:ext uri="{D42A27DB-BD31-4B8C-83A1-F6EECF244321}">
-                <p14:modId xmlns:p14="http://schemas.microsoft.com/office/powerpoint/2010/main" val="4101601922"/>
+                <p14:modId xmlns:p14="http://schemas.microsoft.com/office/powerpoint/2010/main" val="1277647207"/>
               </p:ext>
             </p:extLst>
           </p:nvPr>
         </p:nvGraphicFramePr>
         <p:xfrm>
-          <a:off x="1327302" y="532779"/>
-          <a:ext cx="9854503" cy="4707861"/>
+          <a:off x="806754" y="1177193"/>
+          <a:ext cx="10578492" cy="4059293"/>
         </p:xfrm>
         <a:graphic>
           <a:graphicData uri="http://schemas.openxmlformats.org/drawingml/2006/table">
@@ -3491,21 +3491,21 @@
                 <a:tableStyleId>{5C22544A-7EE6-4342-B048-85BDC9FD1C3A}</a:tableStyleId>
               </a:tblPr>
               <a:tblGrid>
-                <a:gridCol w="1608975">
+                <a:gridCol w="1727183">
                   <a:extLst>
                     <a:ext uri="{9D8B030D-6E8A-4147-A177-3AD203B41FA5}">
                       <a16:colId xmlns:a16="http://schemas.microsoft.com/office/drawing/2014/main" val="2219201440"/>
                     </a:ext>
                   </a:extLst>
                 </a:gridCol>
-                <a:gridCol w="1939111">
+                <a:gridCol w="2081573">
                   <a:extLst>
                     <a:ext uri="{9D8B030D-6E8A-4147-A177-3AD203B41FA5}">
                       <a16:colId xmlns:a16="http://schemas.microsoft.com/office/drawing/2014/main" val="2196939161"/>
                     </a:ext>
                   </a:extLst>
                 </a:gridCol>
-                <a:gridCol w="6306417">
+                <a:gridCol w="6769736">
                   <a:extLst>
                     <a:ext uri="{9D8B030D-6E8A-4147-A177-3AD203B41FA5}">
                       <a16:colId xmlns:a16="http://schemas.microsoft.com/office/drawing/2014/main" val="1788793921"/>
@@ -3521,7 +3521,7 @@
                     <a:p>
                       <a:pPr algn="ctr"/>
                       <a:r>
-                        <a:rPr lang="en-US" dirty="0">
+                        <a:rPr lang="en-US" sz="2000" dirty="0">
                           <a:solidFill>
                             <a:schemeClr val="tx1"/>
                           </a:solidFill>
@@ -3530,7 +3530,7 @@
                       </a:r>
                     </a:p>
                   </a:txBody>
-                  <a:tcPr/>
+                  <a:tcPr anchor="ctr"/>
                 </a:tc>
                 <a:tc hMerge="1">
                   <a:txBody>
@@ -3568,7 +3568,7 @@
                   </a:ext>
                 </a:extLst>
               </a:tr>
-              <a:tr h="862984">
+              <a:tr h="188949">
                 <a:tc>
                   <a:txBody>
                     <a:bodyPr/>
@@ -3600,16 +3600,8 @@
                         <a:t>Roles</a:t>
                       </a:r>
                     </a:p>
-                    <a:p>
-                      <a:pPr algn="ctr"/>
-                      <a:endParaRPr lang="en-US" b="1" dirty="0">
-                        <a:solidFill>
-                          <a:schemeClr val="tx1"/>
-                        </a:solidFill>
-                      </a:endParaRPr>
-                    </a:p>
                   </a:txBody>
-                  <a:tcPr/>
+                  <a:tcPr anchor="ctr"/>
                 </a:tc>
                 <a:tc>
                   <a:txBody>
@@ -3627,7 +3619,7 @@
                       </a:r>
                     </a:p>
                   </a:txBody>
-                  <a:tcPr/>
+                  <a:tcPr anchor="ctr"/>
                 </a:tc>
                 <a:tc>
                   <a:txBody>
@@ -3645,7 +3637,7 @@
                       </a:r>
                     </a:p>
                   </a:txBody>
-                  <a:tcPr/>
+                  <a:tcPr anchor="ctr"/>
                 </a:tc>
                 <a:extLst>
                   <a:ext uri="{0D108BD9-81ED-4DB2-BD59-A6C34878D82A}">
@@ -3653,7 +3645,7 @@
                   </a:ext>
                 </a:extLst>
               </a:tr>
-              <a:tr h="972569">
+              <a:tr h="510175">
                 <a:tc>
                   <a:txBody>
                     <a:bodyPr/>
@@ -3661,7 +3653,7 @@
                     <a:p>
                       <a:pPr algn="l"/>
                       <a:r>
-                        <a:rPr lang="en-US" sz="1400" dirty="0">
+                        <a:rPr lang="en-US" sz="1600" dirty="0">
                           <a:solidFill>
                             <a:schemeClr val="tx1"/>
                           </a:solidFill>
@@ -3695,7 +3687,7 @@
                         <a:defRPr/>
                       </a:pPr>
                       <a:r>
-                        <a:rPr lang="en-US" sz="1400" dirty="0"/>
+                        <a:rPr lang="en-US" sz="1600" dirty="0"/>
                         <a:t>General User</a:t>
                       </a:r>
                     </a:p>
@@ -3718,18 +3710,18 @@
                         <a:defRPr/>
                       </a:pPr>
                       <a:r>
-                        <a:rPr lang="en-US" sz="1400" dirty="0"/>
+                        <a:rPr lang="en-US" sz="1600" dirty="0"/>
                         <a:t>Account </a:t>
                       </a:r>
                       <a:r>
-                        <a:rPr lang="en-US" sz="1400" dirty="0">
+                        <a:rPr lang="en-US" sz="1600" dirty="0">
                           <a:solidFill>
                             <a:schemeClr val="tx1"/>
                           </a:solidFill>
                         </a:rPr>
                         <a:t>User</a:t>
                       </a:r>
-                      <a:endParaRPr lang="en-US" sz="1400" dirty="0"/>
+                      <a:endParaRPr lang="en-US" sz="1600" dirty="0"/>
                     </a:p>
                   </a:txBody>
                   <a:tcPr/>
@@ -3740,11 +3732,11 @@
                     <a:lstStyle/>
                     <a:p>
                       <a:r>
-                        <a:rPr lang="en-US" sz="1400" dirty="0"/>
+                        <a:rPr lang="en-US" sz="1600" dirty="0"/>
                         <a:t>This role allows </a:t>
                       </a:r>
                       <a:r>
-                        <a:rPr lang="en-US" sz="1400" dirty="0">
+                        <a:rPr lang="en-US" sz="1600" dirty="0">
                           <a:solidFill>
                             <a:schemeClr val="tx1"/>
                           </a:solidFill>
@@ -3752,7 +3744,7 @@
                         <a:t>a user </a:t>
                       </a:r>
                       <a:r>
-                        <a:rPr lang="en-US" sz="1400" dirty="0"/>
+                        <a:rPr lang="en-US" sz="1600" dirty="0"/>
                         <a:t>to perform Context-free and Context-based testing.</a:t>
                       </a:r>
                     </a:p>
@@ -3765,7 +3757,7 @@
                   </a:ext>
                 </a:extLst>
               </a:tr>
-              <a:tr h="1647655">
+              <a:tr h="835464">
                 <a:tc>
                   <a:txBody>
                     <a:bodyPr/>
@@ -3773,7 +3765,7 @@
                     <a:p>
                       <a:pPr algn="l"/>
                       <a:r>
-                        <a:rPr lang="en-US" sz="1400" dirty="0"/>
+                        <a:rPr lang="en-US" sz="1600" dirty="0"/>
                         <a:t>Deployer</a:t>
                       </a:r>
                     </a:p>
@@ -3786,11 +3778,11 @@
                     <a:lstStyle/>
                     <a:p>
                       <a:r>
-                        <a:rPr lang="en-US" sz="1400" dirty="0"/>
+                        <a:rPr lang="en-US" sz="1600" dirty="0"/>
                         <a:t>Account </a:t>
                       </a:r>
                       <a:r>
-                        <a:rPr lang="en-US" sz="1400" dirty="0">
+                        <a:rPr lang="en-US" sz="1600" dirty="0">
                           <a:solidFill>
                             <a:schemeClr val="tx1"/>
                           </a:solidFill>
@@ -3807,10 +3799,10 @@
                     <a:lstStyle/>
                     <a:p>
                       <a:r>
-                        <a:rPr lang="en-US" sz="1400" dirty="0"/>
-                        <a:t>In addition to Tester functions, this role allows the user to push Test Plans and Profiles to GVT from TCAMT and IGAMT, respectively. </a:t>
+                        <a:rPr lang="en-US" sz="1600" dirty="0"/>
+                        <a:t>In addition to Tester functions, this role allows the user to push Test Plans and Profiles to GVT from TCAMT and IGAMT, respectively; and to create Test Scopes with Context-free validation and Context-based validation in GVT.</a:t>
                       </a:r>
-                      <a:endParaRPr lang="en-US" sz="1400" dirty="0">
+                      <a:endParaRPr lang="en-US" sz="1600" dirty="0">
                         <a:solidFill>
                           <a:schemeClr val="tx1"/>
                         </a:solidFill>
@@ -3849,17 +3841,17 @@
                         <a:defRPr/>
                       </a:pPr>
                       <a:r>
-                        <a:rPr lang="en-US" sz="1400" dirty="0">
+                        <a:rPr lang="en-US" sz="1600" dirty="0">
                           <a:solidFill>
                             <a:schemeClr val="tx1"/>
                           </a:solidFill>
                         </a:rPr>
-                        <a:t>Supervisor</a:t>
+                        <a:t>Publisher</a:t>
                       </a:r>
                     </a:p>
                     <a:p>
                       <a:pPr algn="l"/>
-                      <a:endParaRPr lang="en-US" sz="1400" dirty="0"/>
+                      <a:endParaRPr lang="en-US" sz="1600" dirty="0"/>
                     </a:p>
                   </a:txBody>
                   <a:tcPr/>
@@ -3870,11 +3862,11 @@
                     <a:lstStyle/>
                     <a:p>
                       <a:r>
-                        <a:rPr lang="en-US" sz="1400" dirty="0"/>
+                        <a:rPr lang="en-US" sz="1600" dirty="0"/>
                         <a:t>Account </a:t>
                       </a:r>
                       <a:r>
-                        <a:rPr lang="en-US" sz="1400" dirty="0">
+                        <a:rPr lang="en-US" sz="1600" dirty="0">
                           <a:solidFill>
                             <a:schemeClr val="tx1"/>
                           </a:solidFill>
@@ -3882,7 +3874,7 @@
                         <a:t>U</a:t>
                       </a:r>
                       <a:r>
-                        <a:rPr lang="en-US" sz="1400" dirty="0"/>
+                        <a:rPr lang="en-US" sz="1600" dirty="0"/>
                         <a:t>ser</a:t>
                       </a:r>
                     </a:p>
@@ -3912,24 +3904,32 @@
                         <a:defRPr/>
                       </a:pPr>
                       <a:r>
-                        <a:rPr lang="en-US" sz="1400" dirty="0"/>
-                        <a:t>In addition to Tester and Deployer role, the user is allowed to publish a tool. </a:t>
+                        <a:rPr lang="en-US" sz="1600" dirty="0"/>
+                        <a:t>In addition to Tester and Deployer functions, this role allows the user to </a:t>
                       </a:r>
                       <a:r>
-                        <a:rPr lang="en-US" sz="1400" b="1" dirty="0"/>
-                        <a:t>User must request supervisory role</a:t>
+                        <a:rPr lang="en-US" sz="1600" i="1" dirty="0"/>
+                        <a:t>publish</a:t>
                       </a:r>
                       <a:r>
-                        <a:rPr lang="en-US" sz="1400" dirty="0"/>
+                        <a:rPr lang="en-US" sz="1600" dirty="0"/>
+                        <a:t> (make Public) Tool Scopes and their associated Context-free validation and Context-based validation for access by all users for conformance testing. </a:t>
+                      </a:r>
+                      <a:r>
+                        <a:rPr lang="en-US" sz="1600" b="1" dirty="0"/>
+                        <a:t>User must request the Publisher role from the Website Administrator</a:t>
+                      </a:r>
+                      <a:r>
+                        <a:rPr lang="en-US" sz="1600" dirty="0"/>
                         <a:t>. </a:t>
                       </a:r>
                       <a:r>
-                        <a:rPr lang="en-US" sz="1400" dirty="0">
+                        <a:rPr lang="en-US" sz="1600" dirty="0">
                           <a:solidFill>
                             <a:schemeClr val="tx1"/>
                           </a:solidFill>
                         </a:rPr>
-                        <a:t>This Role must be assigned by a GVT Administrator.</a:t>
+                        <a:t>This role is then assigned by a NIST GVT Administrator.</a:t>
                       </a:r>
                     </a:p>
                   </a:txBody>
